--- a/JavaScript/Napredno/prezentacije/16. Closure.pptx
+++ b/JavaScript/Napredno/prezentacije/16. Closure.pptx
@@ -7,6 +7,8 @@
   <p:sldIdLst>
     <p:sldId id="256" r:id="rId2"/>
     <p:sldId id="257" r:id="rId3"/>
+    <p:sldId id="258" r:id="rId4"/>
+    <p:sldId id="259" r:id="rId5"/>
   </p:sldIdLst>
   <p:sldSz cx="12192000" cy="6858000"/>
   <p:notesSz cx="6858000" cy="9144000"/>
@@ -105,6 +107,11 @@
       </a:defRPr>
     </a:lvl9pPr>
   </p:defaultTextStyle>
+  <p:extLst>
+    <p:ext uri="{EFAFB233-063F-42B5-8137-9DF3F51BA10A}">
+      <p15:sldGuideLst xmlns:p15="http://schemas.microsoft.com/office/powerpoint/2012/main"/>
+    </p:ext>
+  </p:extLst>
 </p:presentation>
 </file>
 
@@ -158,7 +165,7 @@
           <a:noFill/>
           <a:extLst>
             <a:ext uri="{909E8E84-426E-40dd-AFC4-6F175D3DCCD1}">
-              <a14:hiddenFill xmlns:a14="http://schemas.microsoft.com/office/drawing/2010/main" xmlns="">
+              <a14:hiddenFill xmlns="" xmlns:a14="http://schemas.microsoft.com/office/drawing/2010/main">
                 <a:solidFill>
                   <a:srgbClr val="FFFFFF"/>
                 </a:solidFill>
@@ -218,7 +225,7 @@
             </a:ln>
             <a:extLst>
               <a:ext uri="{91240B29-F687-4f45-9708-019B960494DF}">
-                <a14:hiddenLine xmlns:a14="http://schemas.microsoft.com/office/drawing/2010/main" xmlns="" w="9525">
+                <a14:hiddenLine xmlns="" xmlns:a14="http://schemas.microsoft.com/office/drawing/2010/main" w="9525">
                   <a:solidFill>
                     <a:srgbClr val="000000"/>
                   </a:solidFill>
@@ -308,7 +315,7 @@
             </a:ln>
             <a:extLst>
               <a:ext uri="{91240B29-F687-4f45-9708-019B960494DF}">
-                <a14:hiddenLine xmlns:a14="http://schemas.microsoft.com/office/drawing/2010/main" xmlns="" w="9525">
+                <a14:hiddenLine xmlns="" xmlns:a14="http://schemas.microsoft.com/office/drawing/2010/main" w="9525">
                   <a:solidFill>
                     <a:srgbClr val="000000"/>
                   </a:solidFill>
@@ -398,7 +405,7 @@
             </a:ln>
             <a:extLst>
               <a:ext uri="{91240B29-F687-4f45-9708-019B960494DF}">
-                <a14:hiddenLine xmlns:a14="http://schemas.microsoft.com/office/drawing/2010/main" xmlns="" w="9525">
+                <a14:hiddenLine xmlns="" xmlns:a14="http://schemas.microsoft.com/office/drawing/2010/main" w="9525">
                   <a:solidFill>
                     <a:srgbClr val="000000"/>
                   </a:solidFill>
@@ -432,7 +439,7 @@
             </a:ln>
             <a:extLst>
               <a:ext uri="{91240B29-F687-4f45-9708-019B960494DF}">
-                <a14:hiddenLine xmlns:a14="http://schemas.microsoft.com/office/drawing/2010/main" xmlns="" w="9525">
+                <a14:hiddenLine xmlns="" xmlns:a14="http://schemas.microsoft.com/office/drawing/2010/main" w="9525">
                   <a:solidFill>
                     <a:srgbClr val="000000"/>
                   </a:solidFill>
@@ -522,7 +529,7 @@
             </a:ln>
             <a:extLst>
               <a:ext uri="{91240B29-F687-4f45-9708-019B960494DF}">
-                <a14:hiddenLine xmlns:a14="http://schemas.microsoft.com/office/drawing/2010/main" xmlns="" w="9525">
+                <a14:hiddenLine xmlns="" xmlns:a14="http://schemas.microsoft.com/office/drawing/2010/main" w="9525">
                   <a:solidFill>
                     <a:srgbClr val="000000"/>
                   </a:solidFill>
@@ -584,7 +591,7 @@
             </a:ln>
             <a:extLst>
               <a:ext uri="{91240B29-F687-4f45-9708-019B960494DF}">
-                <a14:hiddenLine xmlns:a14="http://schemas.microsoft.com/office/drawing/2010/main" xmlns="" w="9525">
+                <a14:hiddenLine xmlns="" xmlns:a14="http://schemas.microsoft.com/office/drawing/2010/main" w="9525">
                   <a:solidFill>
                     <a:srgbClr val="000000"/>
                   </a:solidFill>
@@ -646,7 +653,7 @@
             </a:ln>
             <a:extLst>
               <a:ext uri="{91240B29-F687-4f45-9708-019B960494DF}">
-                <a14:hiddenLine xmlns:a14="http://schemas.microsoft.com/office/drawing/2010/main" xmlns="" w="9525">
+                <a14:hiddenLine xmlns="" xmlns:a14="http://schemas.microsoft.com/office/drawing/2010/main" w="9525">
                   <a:solidFill>
                     <a:srgbClr val="000000"/>
                   </a:solidFill>
@@ -736,7 +743,7 @@
             </a:ln>
             <a:extLst>
               <a:ext uri="{91240B29-F687-4f45-9708-019B960494DF}">
-                <a14:hiddenLine xmlns:a14="http://schemas.microsoft.com/office/drawing/2010/main" xmlns="" w="9525">
+                <a14:hiddenLine xmlns="" xmlns:a14="http://schemas.microsoft.com/office/drawing/2010/main" w="9525">
                   <a:solidFill>
                     <a:srgbClr val="000000"/>
                   </a:solidFill>
@@ -798,7 +805,7 @@
             </a:ln>
             <a:extLst>
               <a:ext uri="{91240B29-F687-4f45-9708-019B960494DF}">
-                <a14:hiddenLine xmlns:a14="http://schemas.microsoft.com/office/drawing/2010/main" xmlns="" w="9525">
+                <a14:hiddenLine xmlns="" xmlns:a14="http://schemas.microsoft.com/office/drawing/2010/main" w="9525">
                   <a:solidFill>
                     <a:srgbClr val="000000"/>
                   </a:solidFill>
@@ -860,7 +867,7 @@
             </a:ln>
             <a:extLst>
               <a:ext uri="{91240B29-F687-4f45-9708-019B960494DF}">
-                <a14:hiddenLine xmlns:a14="http://schemas.microsoft.com/office/drawing/2010/main" xmlns="" w="9525">
+                <a14:hiddenLine xmlns="" xmlns:a14="http://schemas.microsoft.com/office/drawing/2010/main" w="9525">
                   <a:solidFill>
                     <a:srgbClr val="000000"/>
                   </a:solidFill>
@@ -950,7 +957,7 @@
             </a:ln>
             <a:extLst>
               <a:ext uri="{91240B29-F687-4f45-9708-019B960494DF}">
-                <a14:hiddenLine xmlns:a14="http://schemas.microsoft.com/office/drawing/2010/main" xmlns="" w="9525">
+                <a14:hiddenLine xmlns="" xmlns:a14="http://schemas.microsoft.com/office/drawing/2010/main" w="9525">
                   <a:solidFill>
                     <a:srgbClr val="000000"/>
                   </a:solidFill>
@@ -1040,7 +1047,7 @@
             </a:ln>
             <a:extLst>
               <a:ext uri="{91240B29-F687-4f45-9708-019B960494DF}">
-                <a14:hiddenLine xmlns:a14="http://schemas.microsoft.com/office/drawing/2010/main" xmlns="" w="9525">
+                <a14:hiddenLine xmlns="" xmlns:a14="http://schemas.microsoft.com/office/drawing/2010/main" w="9525">
                   <a:solidFill>
                     <a:srgbClr val="000000"/>
                   </a:solidFill>
@@ -1102,7 +1109,7 @@
             </a:ln>
             <a:extLst>
               <a:ext uri="{91240B29-F687-4f45-9708-019B960494DF}">
-                <a14:hiddenLine xmlns:a14="http://schemas.microsoft.com/office/drawing/2010/main" xmlns="" w="9525">
+                <a14:hiddenLine xmlns="" xmlns:a14="http://schemas.microsoft.com/office/drawing/2010/main" w="9525">
                   <a:solidFill>
                     <a:srgbClr val="000000"/>
                   </a:solidFill>
@@ -1212,7 +1219,7 @@
             </a:ln>
             <a:extLst>
               <a:ext uri="{91240B29-F687-4f45-9708-019B960494DF}">
-                <a14:hiddenLine xmlns:a14="http://schemas.microsoft.com/office/drawing/2010/main" xmlns="" w="9525">
+                <a14:hiddenLine xmlns="" xmlns:a14="http://schemas.microsoft.com/office/drawing/2010/main" w="9525">
                   <a:solidFill>
                     <a:srgbClr val="000000"/>
                   </a:solidFill>
@@ -1274,7 +1281,7 @@
             </a:ln>
             <a:extLst>
               <a:ext uri="{91240B29-F687-4f45-9708-019B960494DF}">
-                <a14:hiddenLine xmlns:a14="http://schemas.microsoft.com/office/drawing/2010/main" xmlns="" w="9525">
+                <a14:hiddenLine xmlns="" xmlns:a14="http://schemas.microsoft.com/office/drawing/2010/main" w="9525">
                   <a:solidFill>
                     <a:srgbClr val="000000"/>
                   </a:solidFill>
@@ -1364,7 +1371,7 @@
             </a:ln>
             <a:extLst>
               <a:ext uri="{91240B29-F687-4f45-9708-019B960494DF}">
-                <a14:hiddenLine xmlns:a14="http://schemas.microsoft.com/office/drawing/2010/main" xmlns="" w="9525">
+                <a14:hiddenLine xmlns="" xmlns:a14="http://schemas.microsoft.com/office/drawing/2010/main" w="9525">
                   <a:solidFill>
                     <a:srgbClr val="000000"/>
                   </a:solidFill>
@@ -1454,7 +1461,7 @@
             </a:ln>
             <a:extLst>
               <a:ext uri="{91240B29-F687-4f45-9708-019B960494DF}">
-                <a14:hiddenLine xmlns:a14="http://schemas.microsoft.com/office/drawing/2010/main" xmlns="" w="9525">
+                <a14:hiddenLine xmlns="" xmlns:a14="http://schemas.microsoft.com/office/drawing/2010/main" w="9525">
                   <a:solidFill>
                     <a:srgbClr val="000000"/>
                   </a:solidFill>
@@ -1516,7 +1523,7 @@
             </a:ln>
             <a:extLst>
               <a:ext uri="{91240B29-F687-4f45-9708-019B960494DF}">
-                <a14:hiddenLine xmlns:a14="http://schemas.microsoft.com/office/drawing/2010/main" xmlns="" w="9525">
+                <a14:hiddenLine xmlns="" xmlns:a14="http://schemas.microsoft.com/office/drawing/2010/main" w="9525">
                   <a:solidFill>
                     <a:srgbClr val="000000"/>
                   </a:solidFill>
@@ -1606,7 +1613,7 @@
             </a:ln>
             <a:extLst>
               <a:ext uri="{91240B29-F687-4f45-9708-019B960494DF}">
-                <a14:hiddenLine xmlns:a14="http://schemas.microsoft.com/office/drawing/2010/main" xmlns="" w="9525">
+                <a14:hiddenLine xmlns="" xmlns:a14="http://schemas.microsoft.com/office/drawing/2010/main" w="9525">
                   <a:solidFill>
                     <a:srgbClr val="000000"/>
                   </a:solidFill>
@@ -1696,7 +1703,7 @@
             </a:ln>
             <a:extLst>
               <a:ext uri="{91240B29-F687-4f45-9708-019B960494DF}">
-                <a14:hiddenLine xmlns:a14="http://schemas.microsoft.com/office/drawing/2010/main" xmlns="" w="9525">
+                <a14:hiddenLine xmlns="" xmlns:a14="http://schemas.microsoft.com/office/drawing/2010/main" w="9525">
                   <a:solidFill>
                     <a:srgbClr val="000000"/>
                   </a:solidFill>
@@ -1752,7 +1759,7 @@
             </a:ln>
             <a:extLst>
               <a:ext uri="{91240B29-F687-4f45-9708-019B960494DF}">
-                <a14:hiddenLine xmlns:a14="http://schemas.microsoft.com/office/drawing/2010/main" xmlns="" w="9525">
+                <a14:hiddenLine xmlns="" xmlns:a14="http://schemas.microsoft.com/office/drawing/2010/main" w="9525">
                   <a:solidFill>
                     <a:srgbClr val="000000"/>
                   </a:solidFill>
@@ -1842,7 +1849,7 @@
             </a:ln>
             <a:extLst>
               <a:ext uri="{91240B29-F687-4f45-9708-019B960494DF}">
-                <a14:hiddenLine xmlns:a14="http://schemas.microsoft.com/office/drawing/2010/main" xmlns="" w="9525">
+                <a14:hiddenLine xmlns="" xmlns:a14="http://schemas.microsoft.com/office/drawing/2010/main" w="9525">
                   <a:solidFill>
                     <a:srgbClr val="000000"/>
                   </a:solidFill>
@@ -1898,7 +1905,7 @@
             </a:ln>
             <a:extLst>
               <a:ext uri="{91240B29-F687-4f45-9708-019B960494DF}">
-                <a14:hiddenLine xmlns:a14="http://schemas.microsoft.com/office/drawing/2010/main" xmlns="" w="9525">
+                <a14:hiddenLine xmlns="" xmlns:a14="http://schemas.microsoft.com/office/drawing/2010/main" w="9525">
                   <a:solidFill>
                     <a:srgbClr val="000000"/>
                   </a:solidFill>
@@ -1988,7 +1995,7 @@
             </a:ln>
             <a:extLst>
               <a:ext uri="{91240B29-F687-4f45-9708-019B960494DF}">
-                <a14:hiddenLine xmlns:a14="http://schemas.microsoft.com/office/drawing/2010/main" xmlns="" w="9525">
+                <a14:hiddenLine xmlns="" xmlns:a14="http://schemas.microsoft.com/office/drawing/2010/main" w="9525">
                   <a:solidFill>
                     <a:srgbClr val="000000"/>
                   </a:solidFill>
@@ -2056,7 +2063,7 @@
             </a:ln>
             <a:extLst>
               <a:ext uri="{91240B29-F687-4f45-9708-019B960494DF}">
-                <a14:hiddenLine xmlns:a14="http://schemas.microsoft.com/office/drawing/2010/main" xmlns="" w="9525">
+                <a14:hiddenLine xmlns="" xmlns:a14="http://schemas.microsoft.com/office/drawing/2010/main" w="9525">
                   <a:solidFill>
                     <a:srgbClr val="000000"/>
                   </a:solidFill>
@@ -2146,7 +2153,7 @@
             </a:ln>
             <a:extLst>
               <a:ext uri="{91240B29-F687-4f45-9708-019B960494DF}">
-                <a14:hiddenLine xmlns:a14="http://schemas.microsoft.com/office/drawing/2010/main" xmlns="" w="9525">
+                <a14:hiddenLine xmlns="" xmlns:a14="http://schemas.microsoft.com/office/drawing/2010/main" w="9525">
                   <a:solidFill>
                     <a:srgbClr val="000000"/>
                   </a:solidFill>
@@ -2214,7 +2221,7 @@
             </a:ln>
             <a:extLst>
               <a:ext uri="{91240B29-F687-4f45-9708-019B960494DF}">
-                <a14:hiddenLine xmlns:a14="http://schemas.microsoft.com/office/drawing/2010/main" xmlns="" w="9525">
+                <a14:hiddenLine xmlns="" xmlns:a14="http://schemas.microsoft.com/office/drawing/2010/main" w="9525">
                   <a:solidFill>
                     <a:srgbClr val="000000"/>
                   </a:solidFill>
@@ -2304,7 +2311,7 @@
             </a:ln>
             <a:extLst>
               <a:ext uri="{91240B29-F687-4f45-9708-019B960494DF}">
-                <a14:hiddenLine xmlns:a14="http://schemas.microsoft.com/office/drawing/2010/main" xmlns="" w="9525">
+                <a14:hiddenLine xmlns="" xmlns:a14="http://schemas.microsoft.com/office/drawing/2010/main" w="9525">
                   <a:solidFill>
                     <a:srgbClr val="000000"/>
                   </a:solidFill>
@@ -2338,7 +2345,7 @@
             </a:ln>
             <a:extLst>
               <a:ext uri="{91240B29-F687-4f45-9708-019B960494DF}">
-                <a14:hiddenLine xmlns:a14="http://schemas.microsoft.com/office/drawing/2010/main" xmlns="" w="9525">
+                <a14:hiddenLine xmlns="" xmlns:a14="http://schemas.microsoft.com/office/drawing/2010/main" w="9525">
                   <a:solidFill>
                     <a:srgbClr val="000000"/>
                   </a:solidFill>
@@ -2428,7 +2435,7 @@
             </a:ln>
             <a:extLst>
               <a:ext uri="{91240B29-F687-4f45-9708-019B960494DF}">
-                <a14:hiddenLine xmlns:a14="http://schemas.microsoft.com/office/drawing/2010/main" xmlns="" w="9525">
+                <a14:hiddenLine xmlns="" xmlns:a14="http://schemas.microsoft.com/office/drawing/2010/main" w="9525">
                   <a:solidFill>
                     <a:srgbClr val="000000"/>
                   </a:solidFill>
@@ -2490,7 +2497,7 @@
             </a:ln>
             <a:extLst>
               <a:ext uri="{91240B29-F687-4f45-9708-019B960494DF}">
-                <a14:hiddenLine xmlns:a14="http://schemas.microsoft.com/office/drawing/2010/main" xmlns="" w="9525">
+                <a14:hiddenLine xmlns="" xmlns:a14="http://schemas.microsoft.com/office/drawing/2010/main" w="9525">
                   <a:solidFill>
                     <a:srgbClr val="000000"/>
                   </a:solidFill>
@@ -2552,7 +2559,7 @@
             </a:ln>
             <a:extLst>
               <a:ext uri="{91240B29-F687-4f45-9708-019B960494DF}">
-                <a14:hiddenLine xmlns:a14="http://schemas.microsoft.com/office/drawing/2010/main" xmlns="" w="9525">
+                <a14:hiddenLine xmlns="" xmlns:a14="http://schemas.microsoft.com/office/drawing/2010/main" w="9525">
                   <a:solidFill>
                     <a:srgbClr val="000000"/>
                   </a:solidFill>
@@ -2642,7 +2649,7 @@
             </a:ln>
             <a:extLst>
               <a:ext uri="{91240B29-F687-4f45-9708-019B960494DF}">
-                <a14:hiddenLine xmlns:a14="http://schemas.microsoft.com/office/drawing/2010/main" xmlns="" w="9525">
+                <a14:hiddenLine xmlns="" xmlns:a14="http://schemas.microsoft.com/office/drawing/2010/main" w="9525">
                   <a:solidFill>
                     <a:srgbClr val="000000"/>
                   </a:solidFill>
@@ -2710,7 +2717,7 @@
             </a:ln>
             <a:extLst>
               <a:ext uri="{91240B29-F687-4f45-9708-019B960494DF}">
-                <a14:hiddenLine xmlns:a14="http://schemas.microsoft.com/office/drawing/2010/main" xmlns="" w="9525">
+                <a14:hiddenLine xmlns="" xmlns:a14="http://schemas.microsoft.com/office/drawing/2010/main" w="9525">
                   <a:solidFill>
                     <a:srgbClr val="000000"/>
                   </a:solidFill>
@@ -2772,7 +2779,7 @@
             </a:ln>
             <a:extLst>
               <a:ext uri="{91240B29-F687-4f45-9708-019B960494DF}">
-                <a14:hiddenLine xmlns:a14="http://schemas.microsoft.com/office/drawing/2010/main" xmlns="" w="9525">
+                <a14:hiddenLine xmlns="" xmlns:a14="http://schemas.microsoft.com/office/drawing/2010/main" w="9525">
                   <a:solidFill>
                     <a:srgbClr val="000000"/>
                   </a:solidFill>
@@ -2862,7 +2869,7 @@
             </a:ln>
             <a:extLst>
               <a:ext uri="{91240B29-F687-4f45-9708-019B960494DF}">
-                <a14:hiddenLine xmlns:a14="http://schemas.microsoft.com/office/drawing/2010/main" xmlns="" w="9525">
+                <a14:hiddenLine xmlns="" xmlns:a14="http://schemas.microsoft.com/office/drawing/2010/main" w="9525">
                   <a:solidFill>
                     <a:srgbClr val="000000"/>
                   </a:solidFill>
@@ -2924,7 +2931,7 @@
             </a:ln>
             <a:extLst>
               <a:ext uri="{91240B29-F687-4f45-9708-019B960494DF}">
-                <a14:hiddenLine xmlns:a14="http://schemas.microsoft.com/office/drawing/2010/main" xmlns="" w="9525">
+                <a14:hiddenLine xmlns="" xmlns:a14="http://schemas.microsoft.com/office/drawing/2010/main" w="9525">
                   <a:solidFill>
                     <a:srgbClr val="000000"/>
                   </a:solidFill>
@@ -3014,7 +3021,7 @@
             </a:ln>
             <a:extLst>
               <a:ext uri="{91240B29-F687-4f45-9708-019B960494DF}">
-                <a14:hiddenLine xmlns:a14="http://schemas.microsoft.com/office/drawing/2010/main" xmlns="" w="9525">
+                <a14:hiddenLine xmlns="" xmlns:a14="http://schemas.microsoft.com/office/drawing/2010/main" w="9525">
                   <a:solidFill>
                     <a:srgbClr val="000000"/>
                   </a:solidFill>
@@ -3076,7 +3083,7 @@
             </a:ln>
             <a:extLst>
               <a:ext uri="{91240B29-F687-4f45-9708-019B960494DF}">
-                <a14:hiddenLine xmlns:a14="http://schemas.microsoft.com/office/drawing/2010/main" xmlns="" w="9525">
+                <a14:hiddenLine xmlns="" xmlns:a14="http://schemas.microsoft.com/office/drawing/2010/main" w="9525">
                   <a:solidFill>
                     <a:srgbClr val="000000"/>
                   </a:solidFill>
@@ -3166,7 +3173,7 @@
             </a:ln>
             <a:extLst>
               <a:ext uri="{91240B29-F687-4f45-9708-019B960494DF}">
-                <a14:hiddenLine xmlns:a14="http://schemas.microsoft.com/office/drawing/2010/main" xmlns="" w="9525">
+                <a14:hiddenLine xmlns="" xmlns:a14="http://schemas.microsoft.com/office/drawing/2010/main" w="9525">
                   <a:solidFill>
                     <a:srgbClr val="000000"/>
                   </a:solidFill>
@@ -3200,7 +3207,7 @@
             </a:ln>
             <a:extLst>
               <a:ext uri="{91240B29-F687-4f45-9708-019B960494DF}">
-                <a14:hiddenLine xmlns:a14="http://schemas.microsoft.com/office/drawing/2010/main" xmlns="" w="9525">
+                <a14:hiddenLine xmlns="" xmlns:a14="http://schemas.microsoft.com/office/drawing/2010/main" w="9525">
                   <a:solidFill>
                     <a:srgbClr val="000000"/>
                   </a:solidFill>
@@ -3265,7 +3272,7 @@
             </a:ln>
             <a:extLst>
               <a:ext uri="{91240B29-F687-4f45-9708-019B960494DF}">
-                <a14:hiddenLine xmlns:a14="http://schemas.microsoft.com/office/drawing/2010/main" xmlns="" w="9525">
+                <a14:hiddenLine xmlns="" xmlns:a14="http://schemas.microsoft.com/office/drawing/2010/main" w="9525">
                   <a:solidFill>
                     <a:srgbClr val="000000"/>
                   </a:solidFill>
@@ -3355,7 +3362,7 @@
             </a:ln>
             <a:extLst>
               <a:ext uri="{91240B29-F687-4f45-9708-019B960494DF}">
-                <a14:hiddenLine xmlns:a14="http://schemas.microsoft.com/office/drawing/2010/main" xmlns="" w="9525">
+                <a14:hiddenLine xmlns="" xmlns:a14="http://schemas.microsoft.com/office/drawing/2010/main" w="9525">
                   <a:solidFill>
                     <a:srgbClr val="000000"/>
                   </a:solidFill>
@@ -3417,7 +3424,7 @@
             </a:ln>
             <a:extLst>
               <a:ext uri="{91240B29-F687-4f45-9708-019B960494DF}">
-                <a14:hiddenLine xmlns:a14="http://schemas.microsoft.com/office/drawing/2010/main" xmlns="" w="9525">
+                <a14:hiddenLine xmlns="" xmlns:a14="http://schemas.microsoft.com/office/drawing/2010/main" w="9525">
                   <a:solidFill>
                     <a:srgbClr val="000000"/>
                   </a:solidFill>
@@ -3507,7 +3514,7 @@
             </a:ln>
             <a:extLst>
               <a:ext uri="{91240B29-F687-4f45-9708-019B960494DF}">
-                <a14:hiddenLine xmlns:a14="http://schemas.microsoft.com/office/drawing/2010/main" xmlns="" w="9525">
+                <a14:hiddenLine xmlns="" xmlns:a14="http://schemas.microsoft.com/office/drawing/2010/main" w="9525">
                   <a:solidFill>
                     <a:srgbClr val="000000"/>
                   </a:solidFill>
@@ -3597,7 +3604,7 @@
             </a:ln>
             <a:extLst>
               <a:ext uri="{91240B29-F687-4f45-9708-019B960494DF}">
-                <a14:hiddenLine xmlns:a14="http://schemas.microsoft.com/office/drawing/2010/main" xmlns="" w="9525">
+                <a14:hiddenLine xmlns="" xmlns:a14="http://schemas.microsoft.com/office/drawing/2010/main" w="9525">
                   <a:solidFill>
                     <a:srgbClr val="000000"/>
                   </a:solidFill>
@@ -3662,7 +3669,7 @@
             </a:ln>
             <a:extLst>
               <a:ext uri="{91240B29-F687-4f45-9708-019B960494DF}">
-                <a14:hiddenLine xmlns:a14="http://schemas.microsoft.com/office/drawing/2010/main" xmlns="" w="9525">
+                <a14:hiddenLine xmlns="" xmlns:a14="http://schemas.microsoft.com/office/drawing/2010/main" w="9525">
                   <a:solidFill>
                     <a:srgbClr val="000000"/>
                   </a:solidFill>
@@ -3724,7 +3731,7 @@
             </a:ln>
             <a:extLst>
               <a:ext uri="{91240B29-F687-4f45-9708-019B960494DF}">
-                <a14:hiddenLine xmlns:a14="http://schemas.microsoft.com/office/drawing/2010/main" xmlns="" w="9525">
+                <a14:hiddenLine xmlns="" xmlns:a14="http://schemas.microsoft.com/office/drawing/2010/main" w="9525">
                   <a:solidFill>
                     <a:srgbClr val="000000"/>
                   </a:solidFill>
@@ -3814,7 +3821,7 @@
             </a:ln>
             <a:extLst>
               <a:ext uri="{91240B29-F687-4f45-9708-019B960494DF}">
-                <a14:hiddenLine xmlns:a14="http://schemas.microsoft.com/office/drawing/2010/main" xmlns="" w="9525">
+                <a14:hiddenLine xmlns="" xmlns:a14="http://schemas.microsoft.com/office/drawing/2010/main" w="9525">
                   <a:solidFill>
                     <a:srgbClr val="000000"/>
                   </a:solidFill>
@@ -3904,7 +3911,7 @@
             </a:ln>
             <a:extLst>
               <a:ext uri="{91240B29-F687-4f45-9708-019B960494DF}">
-                <a14:hiddenLine xmlns:a14="http://schemas.microsoft.com/office/drawing/2010/main" xmlns="" w="9525">
+                <a14:hiddenLine xmlns="" xmlns:a14="http://schemas.microsoft.com/office/drawing/2010/main" w="9525">
                   <a:solidFill>
                     <a:srgbClr val="000000"/>
                   </a:solidFill>
@@ -3966,7 +3973,7 @@
             </a:ln>
             <a:extLst>
               <a:ext uri="{91240B29-F687-4f45-9708-019B960494DF}">
-                <a14:hiddenLine xmlns:a14="http://schemas.microsoft.com/office/drawing/2010/main" xmlns="" w="9525">
+                <a14:hiddenLine xmlns="" xmlns:a14="http://schemas.microsoft.com/office/drawing/2010/main" w="9525">
                   <a:solidFill>
                     <a:srgbClr val="000000"/>
                   </a:solidFill>
@@ -4086,7 +4093,7 @@
             </a:ln>
             <a:extLst>
               <a:ext uri="{91240B29-F687-4f45-9708-019B960494DF}">
-                <a14:hiddenLine xmlns:a14="http://schemas.microsoft.com/office/drawing/2010/main" xmlns="" w="9525">
+                <a14:hiddenLine xmlns="" xmlns:a14="http://schemas.microsoft.com/office/drawing/2010/main" w="9525">
                   <a:solidFill>
                     <a:srgbClr val="000000"/>
                   </a:solidFill>
@@ -4154,7 +4161,7 @@
             </a:ln>
             <a:extLst>
               <a:ext uri="{91240B29-F687-4f45-9708-019B960494DF}">
-                <a14:hiddenLine xmlns:a14="http://schemas.microsoft.com/office/drawing/2010/main" xmlns="" w="9525">
+                <a14:hiddenLine xmlns="" xmlns:a14="http://schemas.microsoft.com/office/drawing/2010/main" w="9525">
                   <a:solidFill>
                     <a:srgbClr val="000000"/>
                   </a:solidFill>
@@ -4244,7 +4251,7 @@
             </a:ln>
             <a:extLst>
               <a:ext uri="{91240B29-F687-4f45-9708-019B960494DF}">
-                <a14:hiddenLine xmlns:a14="http://schemas.microsoft.com/office/drawing/2010/main" xmlns="" w="9525">
+                <a14:hiddenLine xmlns="" xmlns:a14="http://schemas.microsoft.com/office/drawing/2010/main" w="9525">
                   <a:solidFill>
                     <a:srgbClr val="000000"/>
                   </a:solidFill>
@@ -9051,7 +9058,7 @@
           <a:noFill/>
           <a:extLst>
             <a:ext uri="{909E8E84-426E-40dd-AFC4-6F175D3DCCD1}">
-              <a14:hiddenFill xmlns:a14="http://schemas.microsoft.com/office/drawing/2010/main" xmlns="">
+              <a14:hiddenFill xmlns="" xmlns:a14="http://schemas.microsoft.com/office/drawing/2010/main">
                 <a:solidFill>
                   <a:srgbClr val="FFFFFF"/>
                 </a:solidFill>
@@ -9125,7 +9132,7 @@
               </a:ln>
               <a:extLst>
                 <a:ext uri="{91240B29-F687-4f45-9708-019B960494DF}">
-                  <a14:hiddenLine xmlns:a14="http://schemas.microsoft.com/office/drawing/2010/main" xmlns="" w="9525">
+                  <a14:hiddenLine xmlns="" xmlns:a14="http://schemas.microsoft.com/office/drawing/2010/main" w="9525">
                     <a:solidFill>
                       <a:srgbClr val="000000"/>
                     </a:solidFill>
@@ -9215,7 +9222,7 @@
               </a:ln>
               <a:extLst>
                 <a:ext uri="{91240B29-F687-4f45-9708-019B960494DF}">
-                  <a14:hiddenLine xmlns:a14="http://schemas.microsoft.com/office/drawing/2010/main" xmlns="" w="9525">
+                  <a14:hiddenLine xmlns="" xmlns:a14="http://schemas.microsoft.com/office/drawing/2010/main" w="9525">
                     <a:solidFill>
                       <a:srgbClr val="000000"/>
                     </a:solidFill>
@@ -9305,7 +9312,7 @@
               </a:ln>
               <a:extLst>
                 <a:ext uri="{91240B29-F687-4f45-9708-019B960494DF}">
-                  <a14:hiddenLine xmlns:a14="http://schemas.microsoft.com/office/drawing/2010/main" xmlns="" w="9525">
+                  <a14:hiddenLine xmlns="" xmlns:a14="http://schemas.microsoft.com/office/drawing/2010/main" w="9525">
                     <a:solidFill>
                       <a:srgbClr val="000000"/>
                     </a:solidFill>
@@ -9367,7 +9374,7 @@
               </a:ln>
               <a:extLst>
                 <a:ext uri="{91240B29-F687-4f45-9708-019B960494DF}">
-                  <a14:hiddenLine xmlns:a14="http://schemas.microsoft.com/office/drawing/2010/main" xmlns="" w="9525">
+                  <a14:hiddenLine xmlns="" xmlns:a14="http://schemas.microsoft.com/office/drawing/2010/main" w="9525">
                     <a:solidFill>
                       <a:srgbClr val="000000"/>
                     </a:solidFill>
@@ -9457,7 +9464,7 @@
               </a:ln>
               <a:extLst>
                 <a:ext uri="{91240B29-F687-4f45-9708-019B960494DF}">
-                  <a14:hiddenLine xmlns:a14="http://schemas.microsoft.com/office/drawing/2010/main" xmlns="" w="9525">
+                  <a14:hiddenLine xmlns="" xmlns:a14="http://schemas.microsoft.com/office/drawing/2010/main" w="9525">
                     <a:solidFill>
                       <a:srgbClr val="000000"/>
                     </a:solidFill>
@@ -9519,7 +9526,7 @@
               </a:ln>
               <a:extLst>
                 <a:ext uri="{91240B29-F687-4f45-9708-019B960494DF}">
-                  <a14:hiddenLine xmlns:a14="http://schemas.microsoft.com/office/drawing/2010/main" xmlns="" w="9525">
+                  <a14:hiddenLine xmlns="" xmlns:a14="http://schemas.microsoft.com/office/drawing/2010/main" w="9525">
                     <a:solidFill>
                       <a:srgbClr val="000000"/>
                     </a:solidFill>
@@ -9581,7 +9588,7 @@
               </a:ln>
               <a:extLst>
                 <a:ext uri="{91240B29-F687-4f45-9708-019B960494DF}">
-                  <a14:hiddenLine xmlns:a14="http://schemas.microsoft.com/office/drawing/2010/main" xmlns="" w="9525">
+                  <a14:hiddenLine xmlns="" xmlns:a14="http://schemas.microsoft.com/office/drawing/2010/main" w="9525">
                     <a:solidFill>
                       <a:srgbClr val="000000"/>
                     </a:solidFill>
@@ -9671,7 +9678,7 @@
               </a:ln>
               <a:extLst>
                 <a:ext uri="{91240B29-F687-4f45-9708-019B960494DF}">
-                  <a14:hiddenLine xmlns:a14="http://schemas.microsoft.com/office/drawing/2010/main" xmlns="" w="9525">
+                  <a14:hiddenLine xmlns="" xmlns:a14="http://schemas.microsoft.com/office/drawing/2010/main" w="9525">
                     <a:solidFill>
                       <a:srgbClr val="000000"/>
                     </a:solidFill>
@@ -9761,7 +9768,7 @@
               </a:ln>
               <a:extLst>
                 <a:ext uri="{91240B29-F687-4f45-9708-019B960494DF}">
-                  <a14:hiddenLine xmlns:a14="http://schemas.microsoft.com/office/drawing/2010/main" xmlns="" w="9525">
+                  <a14:hiddenLine xmlns="" xmlns:a14="http://schemas.microsoft.com/office/drawing/2010/main" w="9525">
                     <a:solidFill>
                       <a:srgbClr val="000000"/>
                     </a:solidFill>
@@ -9823,7 +9830,7 @@
               </a:ln>
               <a:extLst>
                 <a:ext uri="{91240B29-F687-4f45-9708-019B960494DF}">
-                  <a14:hiddenLine xmlns:a14="http://schemas.microsoft.com/office/drawing/2010/main" xmlns="" w="9525">
+                  <a14:hiddenLine xmlns="" xmlns:a14="http://schemas.microsoft.com/office/drawing/2010/main" w="9525">
                     <a:solidFill>
                       <a:srgbClr val="000000"/>
                     </a:solidFill>
@@ -9933,7 +9940,7 @@
               </a:ln>
               <a:extLst>
                 <a:ext uri="{91240B29-F687-4f45-9708-019B960494DF}">
-                  <a14:hiddenLine xmlns:a14="http://schemas.microsoft.com/office/drawing/2010/main" xmlns="" w="9525">
+                  <a14:hiddenLine xmlns="" xmlns:a14="http://schemas.microsoft.com/office/drawing/2010/main" w="9525">
                     <a:solidFill>
                       <a:srgbClr val="000000"/>
                     </a:solidFill>
@@ -10017,7 +10024,7 @@
               </a:ln>
               <a:extLst>
                 <a:ext uri="{91240B29-F687-4f45-9708-019B960494DF}">
-                  <a14:hiddenLine xmlns:a14="http://schemas.microsoft.com/office/drawing/2010/main" xmlns="" w="9525">
+                  <a14:hiddenLine xmlns="" xmlns:a14="http://schemas.microsoft.com/office/drawing/2010/main" w="9525">
                     <a:solidFill>
                       <a:srgbClr val="000000"/>
                     </a:solidFill>
@@ -10079,7 +10086,7 @@
               </a:ln>
               <a:extLst>
                 <a:ext uri="{91240B29-F687-4f45-9708-019B960494DF}">
-                  <a14:hiddenLine xmlns:a14="http://schemas.microsoft.com/office/drawing/2010/main" xmlns="" w="9525">
+                  <a14:hiddenLine xmlns="" xmlns:a14="http://schemas.microsoft.com/office/drawing/2010/main" w="9525">
                     <a:solidFill>
                       <a:srgbClr val="000000"/>
                     </a:solidFill>
@@ -10141,7 +10148,7 @@
               </a:ln>
               <a:extLst>
                 <a:ext uri="{91240B29-F687-4f45-9708-019B960494DF}">
-                  <a14:hiddenLine xmlns:a14="http://schemas.microsoft.com/office/drawing/2010/main" xmlns="" w="9525">
+                  <a14:hiddenLine xmlns="" xmlns:a14="http://schemas.microsoft.com/office/drawing/2010/main" w="9525">
                     <a:solidFill>
                       <a:srgbClr val="000000"/>
                     </a:solidFill>
@@ -10231,7 +10238,7 @@
               </a:ln>
               <a:extLst>
                 <a:ext uri="{91240B29-F687-4f45-9708-019B960494DF}">
-                  <a14:hiddenLine xmlns:a14="http://schemas.microsoft.com/office/drawing/2010/main" xmlns="" w="9525">
+                  <a14:hiddenLine xmlns="" xmlns:a14="http://schemas.microsoft.com/office/drawing/2010/main" w="9525">
                     <a:solidFill>
                       <a:srgbClr val="000000"/>
                     </a:solidFill>
@@ -10265,7 +10272,7 @@
               </a:ln>
               <a:extLst>
                 <a:ext uri="{91240B29-F687-4f45-9708-019B960494DF}">
-                  <a14:hiddenLine xmlns:a14="http://schemas.microsoft.com/office/drawing/2010/main" xmlns="" w="9525">
+                  <a14:hiddenLine xmlns="" xmlns:a14="http://schemas.microsoft.com/office/drawing/2010/main" w="9525">
                     <a:solidFill>
                       <a:srgbClr val="000000"/>
                     </a:solidFill>
@@ -10330,7 +10337,7 @@
               </a:ln>
               <a:extLst>
                 <a:ext uri="{91240B29-F687-4f45-9708-019B960494DF}">
-                  <a14:hiddenLine xmlns:a14="http://schemas.microsoft.com/office/drawing/2010/main" xmlns="" w="9525">
+                  <a14:hiddenLine xmlns="" xmlns:a14="http://schemas.microsoft.com/office/drawing/2010/main" w="9525">
                     <a:solidFill>
                       <a:srgbClr val="000000"/>
                     </a:solidFill>
@@ -10420,7 +10427,7 @@
               </a:ln>
               <a:extLst>
                 <a:ext uri="{91240B29-F687-4f45-9708-019B960494DF}">
-                  <a14:hiddenLine xmlns:a14="http://schemas.microsoft.com/office/drawing/2010/main" xmlns="" w="9525">
+                  <a14:hiddenLine xmlns="" xmlns:a14="http://schemas.microsoft.com/office/drawing/2010/main" w="9525">
                     <a:solidFill>
                       <a:srgbClr val="000000"/>
                     </a:solidFill>
@@ -10482,7 +10489,7 @@
               </a:ln>
               <a:extLst>
                 <a:ext uri="{91240B29-F687-4f45-9708-019B960494DF}">
-                  <a14:hiddenLine xmlns:a14="http://schemas.microsoft.com/office/drawing/2010/main" xmlns="" w="9525">
+                  <a14:hiddenLine xmlns="" xmlns:a14="http://schemas.microsoft.com/office/drawing/2010/main" w="9525">
                     <a:solidFill>
                       <a:srgbClr val="000000"/>
                     </a:solidFill>
@@ -10572,7 +10579,7 @@
               </a:ln>
               <a:extLst>
                 <a:ext uri="{91240B29-F687-4f45-9708-019B960494DF}">
-                  <a14:hiddenLine xmlns:a14="http://schemas.microsoft.com/office/drawing/2010/main" xmlns="" w="9525">
+                  <a14:hiddenLine xmlns="" xmlns:a14="http://schemas.microsoft.com/office/drawing/2010/main" w="9525">
                     <a:solidFill>
                       <a:srgbClr val="000000"/>
                     </a:solidFill>
@@ -10637,7 +10644,7 @@
               </a:ln>
               <a:extLst>
                 <a:ext uri="{91240B29-F687-4f45-9708-019B960494DF}">
-                  <a14:hiddenLine xmlns:a14="http://schemas.microsoft.com/office/drawing/2010/main" xmlns="" w="9525">
+                  <a14:hiddenLine xmlns="" xmlns:a14="http://schemas.microsoft.com/office/drawing/2010/main" w="9525">
                     <a:solidFill>
                       <a:srgbClr val="000000"/>
                     </a:solidFill>
@@ -10699,7 +10706,7 @@
               </a:ln>
               <a:extLst>
                 <a:ext uri="{91240B29-F687-4f45-9708-019B960494DF}">
-                  <a14:hiddenLine xmlns:a14="http://schemas.microsoft.com/office/drawing/2010/main" xmlns="" w="9525">
+                  <a14:hiddenLine xmlns="" xmlns:a14="http://schemas.microsoft.com/office/drawing/2010/main" w="9525">
                     <a:solidFill>
                       <a:srgbClr val="000000"/>
                     </a:solidFill>
@@ -10789,7 +10796,7 @@
               </a:ln>
               <a:extLst>
                 <a:ext uri="{91240B29-F687-4f45-9708-019B960494DF}">
-                  <a14:hiddenLine xmlns:a14="http://schemas.microsoft.com/office/drawing/2010/main" xmlns="" w="9525">
+                  <a14:hiddenLine xmlns="" xmlns:a14="http://schemas.microsoft.com/office/drawing/2010/main" w="9525">
                     <a:solidFill>
                       <a:srgbClr val="000000"/>
                     </a:solidFill>
@@ -10879,7 +10886,7 @@
               </a:ln>
               <a:extLst>
                 <a:ext uri="{91240B29-F687-4f45-9708-019B960494DF}">
-                  <a14:hiddenLine xmlns:a14="http://schemas.microsoft.com/office/drawing/2010/main" xmlns="" w="9525">
+                  <a14:hiddenLine xmlns="" xmlns:a14="http://schemas.microsoft.com/office/drawing/2010/main" w="9525">
                     <a:solidFill>
                       <a:srgbClr val="000000"/>
                     </a:solidFill>
@@ -10944,7 +10951,7 @@
               </a:ln>
               <a:extLst>
                 <a:ext uri="{91240B29-F687-4f45-9708-019B960494DF}">
-                  <a14:hiddenLine xmlns:a14="http://schemas.microsoft.com/office/drawing/2010/main" xmlns="" w="9525">
+                  <a14:hiddenLine xmlns="" xmlns:a14="http://schemas.microsoft.com/office/drawing/2010/main" w="9525">
                     <a:solidFill>
                       <a:srgbClr val="000000"/>
                     </a:solidFill>
@@ -11064,7 +11071,7 @@
               </a:ln>
               <a:extLst>
                 <a:ext uri="{91240B29-F687-4f45-9708-019B960494DF}">
-                  <a14:hiddenLine xmlns:a14="http://schemas.microsoft.com/office/drawing/2010/main" xmlns="" w="9525">
+                  <a14:hiddenLine xmlns="" xmlns:a14="http://schemas.microsoft.com/office/drawing/2010/main" w="9525">
                     <a:solidFill>
                       <a:srgbClr val="000000"/>
                     </a:solidFill>
@@ -11162,7 +11169,7 @@
               </a:ln>
               <a:extLst>
                 <a:ext uri="{91240B29-F687-4f45-9708-019B960494DF}">
-                  <a14:hiddenLine xmlns:a14="http://schemas.microsoft.com/office/drawing/2010/main" xmlns="" w="9525">
+                  <a14:hiddenLine xmlns="" xmlns:a14="http://schemas.microsoft.com/office/drawing/2010/main" w="9525">
                     <a:solidFill>
                       <a:srgbClr val="000000"/>
                     </a:solidFill>
@@ -11277,7 +11284,7 @@
               </a:ln>
               <a:extLst>
                 <a:ext uri="{91240B29-F687-4f45-9708-019B960494DF}">
-                  <a14:hiddenLine xmlns:a14="http://schemas.microsoft.com/office/drawing/2010/main" xmlns="" w="9525">
+                  <a14:hiddenLine xmlns="" xmlns:a14="http://schemas.microsoft.com/office/drawing/2010/main" w="9525">
                     <a:solidFill>
                       <a:srgbClr val="000000"/>
                     </a:solidFill>
@@ -11367,7 +11374,7 @@
               </a:ln>
               <a:extLst>
                 <a:ext uri="{91240B29-F687-4f45-9708-019B960494DF}">
-                  <a14:hiddenLine xmlns:a14="http://schemas.microsoft.com/office/drawing/2010/main" xmlns="" w="9525">
+                  <a14:hiddenLine xmlns="" xmlns:a14="http://schemas.microsoft.com/office/drawing/2010/main" w="9525">
                     <a:solidFill>
                       <a:srgbClr val="000000"/>
                     </a:solidFill>
@@ -11432,7 +11439,7 @@
               </a:ln>
               <a:extLst>
                 <a:ext uri="{91240B29-F687-4f45-9708-019B960494DF}">
-                  <a14:hiddenLine xmlns:a14="http://schemas.microsoft.com/office/drawing/2010/main" xmlns="" w="9525">
+                  <a14:hiddenLine xmlns="" xmlns:a14="http://schemas.microsoft.com/office/drawing/2010/main" w="9525">
                     <a:solidFill>
                       <a:srgbClr val="000000"/>
                     </a:solidFill>
@@ -11522,7 +11529,7 @@
               </a:ln>
               <a:extLst>
                 <a:ext uri="{91240B29-F687-4f45-9708-019B960494DF}">
-                  <a14:hiddenLine xmlns:a14="http://schemas.microsoft.com/office/drawing/2010/main" xmlns="" w="9525">
+                  <a14:hiddenLine xmlns="" xmlns:a14="http://schemas.microsoft.com/office/drawing/2010/main" w="9525">
                     <a:solidFill>
                       <a:srgbClr val="000000"/>
                     </a:solidFill>
@@ -11590,7 +11597,7 @@
               </a:ln>
               <a:extLst>
                 <a:ext uri="{91240B29-F687-4f45-9708-019B960494DF}">
-                  <a14:hiddenLine xmlns:a14="http://schemas.microsoft.com/office/drawing/2010/main" xmlns="" w="9525">
+                  <a14:hiddenLine xmlns="" xmlns:a14="http://schemas.microsoft.com/office/drawing/2010/main" w="9525">
                     <a:solidFill>
                       <a:srgbClr val="000000"/>
                     </a:solidFill>
@@ -11680,7 +11687,7 @@
               </a:ln>
               <a:extLst>
                 <a:ext uri="{91240B29-F687-4f45-9708-019B960494DF}">
-                  <a14:hiddenLine xmlns:a14="http://schemas.microsoft.com/office/drawing/2010/main" xmlns="" w="9525">
+                  <a14:hiddenLine xmlns="" xmlns:a14="http://schemas.microsoft.com/office/drawing/2010/main" w="9525">
                     <a:solidFill>
                       <a:srgbClr val="000000"/>
                     </a:solidFill>
@@ -11748,7 +11755,7 @@
               </a:ln>
               <a:extLst>
                 <a:ext uri="{91240B29-F687-4f45-9708-019B960494DF}">
-                  <a14:hiddenLine xmlns:a14="http://schemas.microsoft.com/office/drawing/2010/main" xmlns="" w="9525">
+                  <a14:hiddenLine xmlns="" xmlns:a14="http://schemas.microsoft.com/office/drawing/2010/main" w="9525">
                     <a:solidFill>
                       <a:srgbClr val="000000"/>
                     </a:solidFill>
@@ -11838,7 +11845,7 @@
               </a:ln>
               <a:extLst>
                 <a:ext uri="{91240B29-F687-4f45-9708-019B960494DF}">
-                  <a14:hiddenLine xmlns:a14="http://schemas.microsoft.com/office/drawing/2010/main" xmlns="" w="9525">
+                  <a14:hiddenLine xmlns="" xmlns:a14="http://schemas.microsoft.com/office/drawing/2010/main" w="9525">
                     <a:solidFill>
                       <a:srgbClr val="000000"/>
                     </a:solidFill>
@@ -11872,7 +11879,7 @@
               </a:ln>
               <a:extLst>
                 <a:ext uri="{91240B29-F687-4f45-9708-019B960494DF}">
-                  <a14:hiddenLine xmlns:a14="http://schemas.microsoft.com/office/drawing/2010/main" xmlns="" w="9525">
+                  <a14:hiddenLine xmlns="" xmlns:a14="http://schemas.microsoft.com/office/drawing/2010/main" w="9525">
                     <a:solidFill>
                       <a:srgbClr val="000000"/>
                     </a:solidFill>
@@ -12551,8 +12558,8 @@
               <a:t>U JavaScriptu svaka promenljiva pamti svoju oblast važenja</a:t>
             </a:r>
             <a:r>
-              <a:rPr lang="sr-Latn-RS"/>
-              <a:t>. </a:t>
+              <a:rPr lang="sr-Latn-RS" dirty="0" smtClean="0"/>
+              <a:t>. Ovo nam omogućava da pažljivom raspodelom funkcija napravimo promenljive sa ograničenim pristupom. Ovako možemo i razdvojiti logiku na nekoliko nivoa </a:t>
             </a:r>
             <a:endParaRPr lang="en-US" dirty="0"/>
           </a:p>
@@ -12562,6 +12569,212 @@
     <p:extLst>
       <p:ext uri="{BB962C8B-B14F-4D97-AF65-F5344CB8AC3E}">
         <p14:creationId xmlns:p14="http://schemas.microsoft.com/office/powerpoint/2010/main" val="2295642897"/>
+      </p:ext>
+    </p:extLst>
+  </p:cSld>
+  <p:clrMapOvr>
+    <a:masterClrMapping/>
+  </p:clrMapOvr>
+</p:sld>
+</file>
+
+<file path=ppt/slides/slide3.xml><?xml version="1.0" encoding="utf-8"?>
+<p:sld xmlns:a="http://schemas.openxmlformats.org/drawingml/2006/main" xmlns:r="http://schemas.openxmlformats.org/officeDocument/2006/relationships" xmlns:p="http://schemas.openxmlformats.org/presentationml/2006/main">
+  <p:cSld>
+    <p:spTree>
+      <p:nvGrpSpPr>
+        <p:cNvPr id="1" name=""/>
+        <p:cNvGrpSpPr/>
+        <p:nvPr/>
+      </p:nvGrpSpPr>
+      <p:grpSpPr>
+        <a:xfrm>
+          <a:off x="0" y="0"/>
+          <a:ext cx="0" cy="0"/>
+          <a:chOff x="0" y="0"/>
+          <a:chExt cx="0" cy="0"/>
+        </a:xfrm>
+      </p:grpSpPr>
+      <p:sp>
+        <p:nvSpPr>
+          <p:cNvPr id="3" name="Content Placeholder 2">
+            <a:extLst>
+              <a:ext uri="{FF2B5EF4-FFF2-40B4-BE49-F238E27FC236}">
+                <a16:creationId xmlns:a16="http://schemas.microsoft.com/office/drawing/2014/main" id="{42211B48-8DE1-A708-ED09-43EECC0D317B}"/>
+              </a:ext>
+            </a:extLst>
+          </p:cNvPr>
+          <p:cNvSpPr>
+            <a:spLocks noGrp="1"/>
+          </p:cNvSpPr>
+          <p:nvPr>
+            <p:ph idx="1"/>
+          </p:nvPr>
+        </p:nvSpPr>
+        <p:spPr>
+          <a:xfrm>
+            <a:off x="1141413" y="702365"/>
+            <a:ext cx="6408918" cy="5088836"/>
+          </a:xfrm>
+        </p:spPr>
+        <p:txBody>
+          <a:bodyPr/>
+          <a:lstStyle/>
+          <a:p>
+            <a:r>
+              <a:rPr lang="sr-Latn-RS" dirty="0" smtClean="0"/>
+              <a:t>Pogledajmo primer:</a:t>
+            </a:r>
+          </a:p>
+          <a:p>
+            <a:r>
+              <a:rPr lang="sr-Latn-RS" dirty="0" smtClean="0"/>
+              <a:t>Ovde smo napravili funkciju add koja kao parametar prima promenljivu x, a vraća funkciju koja prima parametar y. Parametar x je vidljiv unutar cele funkcije add uključujući i funkciju koju vraća. Kada add vrati vrednost promenljiva x je van svakog domašaja i više je ne možemo promeniti, ali je funckija koja je vraćena još uvek može videti i menjati. </a:t>
+            </a:r>
+            <a:endParaRPr lang="sr-Latn-RS" dirty="0" smtClean="0"/>
+          </a:p>
+        </p:txBody>
+      </p:sp>
+      <p:pic>
+        <p:nvPicPr>
+          <p:cNvPr id="2" name="Picture 1"/>
+          <p:cNvPicPr>
+            <a:picLocks noChangeAspect="1"/>
+          </p:cNvPicPr>
+          <p:nvPr/>
+        </p:nvPicPr>
+        <p:blipFill>
+          <a:blip r:embed="rId2"/>
+          <a:stretch>
+            <a:fillRect/>
+          </a:stretch>
+        </p:blipFill>
+        <p:spPr>
+          <a:xfrm>
+            <a:off x="7846602" y="598316"/>
+            <a:ext cx="3883843" cy="3490924"/>
+          </a:xfrm>
+          <a:prstGeom prst="rect">
+            <a:avLst/>
+          </a:prstGeom>
+        </p:spPr>
+      </p:pic>
+      <p:pic>
+        <p:nvPicPr>
+          <p:cNvPr id="4" name="Picture 3"/>
+          <p:cNvPicPr>
+            <a:picLocks noChangeAspect="1"/>
+          </p:cNvPicPr>
+          <p:nvPr/>
+        </p:nvPicPr>
+        <p:blipFill>
+          <a:blip r:embed="rId3"/>
+          <a:stretch>
+            <a:fillRect/>
+          </a:stretch>
+        </p:blipFill>
+        <p:spPr>
+          <a:xfrm>
+            <a:off x="7831901" y="4398072"/>
+            <a:ext cx="3913244" cy="1205894"/>
+          </a:xfrm>
+          <a:prstGeom prst="rect">
+            <a:avLst/>
+          </a:prstGeom>
+        </p:spPr>
+      </p:pic>
+    </p:spTree>
+    <p:extLst>
+      <p:ext uri="{BB962C8B-B14F-4D97-AF65-F5344CB8AC3E}">
+        <p14:creationId xmlns:p14="http://schemas.microsoft.com/office/powerpoint/2010/main" val="528748696"/>
+      </p:ext>
+    </p:extLst>
+  </p:cSld>
+  <p:clrMapOvr>
+    <a:masterClrMapping/>
+  </p:clrMapOvr>
+</p:sld>
+</file>
+
+<file path=ppt/slides/slide4.xml><?xml version="1.0" encoding="utf-8"?>
+<p:sld xmlns:a="http://schemas.openxmlformats.org/drawingml/2006/main" xmlns:r="http://schemas.openxmlformats.org/officeDocument/2006/relationships" xmlns:p="http://schemas.openxmlformats.org/presentationml/2006/main">
+  <p:cSld>
+    <p:spTree>
+      <p:nvGrpSpPr>
+        <p:cNvPr id="1" name=""/>
+        <p:cNvGrpSpPr/>
+        <p:nvPr/>
+      </p:nvGrpSpPr>
+      <p:grpSpPr>
+        <a:xfrm>
+          <a:off x="0" y="0"/>
+          <a:ext cx="0" cy="0"/>
+          <a:chOff x="0" y="0"/>
+          <a:chExt cx="0" cy="0"/>
+        </a:xfrm>
+      </p:grpSpPr>
+      <p:sp>
+        <p:nvSpPr>
+          <p:cNvPr id="3" name="Content Placeholder 2"/>
+          <p:cNvSpPr>
+            <a:spLocks noGrp="1"/>
+          </p:cNvSpPr>
+          <p:nvPr>
+            <p:ph idx="1"/>
+          </p:nvPr>
+        </p:nvSpPr>
+        <p:spPr>
+          <a:xfrm>
+            <a:off x="1141412" y="509451"/>
+            <a:ext cx="5572897" cy="6021978"/>
+          </a:xfrm>
+        </p:spPr>
+        <p:txBody>
+          <a:bodyPr>
+            <a:normAutofit lnSpcReduction="10000"/>
+          </a:bodyPr>
+          <a:lstStyle/>
+          <a:p>
+            <a:r>
+              <a:rPr lang="sr-Latn-RS" dirty="0" smtClean="0"/>
+              <a:t>Ovde funkcija counter kreira lokalnu promenljivu count i funkcije increment i getCount koje tu promenljivu mogu da vide i menjaju, a zatim te funkcije vraća kao objekat. Pozivom funkcije counter možemo kreirati zaštićenu promenljivu sa ograničenim pristupom. Jedini problem ovde je što se svakim pozivom funkcije counter kreiraju nove funkcije. </a:t>
+            </a:r>
+            <a:r>
+              <a:rPr lang="sr-Latn-RS" smtClean="0"/>
+              <a:t>Ovo je preteča objektno orijentisanog programiranja u JavaScriptu.</a:t>
+            </a:r>
+            <a:endParaRPr lang="en-US" dirty="0"/>
+          </a:p>
+        </p:txBody>
+      </p:sp>
+      <p:pic>
+        <p:nvPicPr>
+          <p:cNvPr id="4" name="Picture 3"/>
+          <p:cNvPicPr>
+            <a:picLocks noChangeAspect="1"/>
+          </p:cNvPicPr>
+          <p:nvPr/>
+        </p:nvPicPr>
+        <p:blipFill>
+          <a:blip r:embed="rId2"/>
+          <a:stretch>
+            <a:fillRect/>
+          </a:stretch>
+        </p:blipFill>
+        <p:spPr>
+          <a:xfrm>
+            <a:off x="6917371" y="301416"/>
+            <a:ext cx="4953000" cy="5959078"/>
+          </a:xfrm>
+          <a:prstGeom prst="rect">
+            <a:avLst/>
+          </a:prstGeom>
+        </p:spPr>
+      </p:pic>
+    </p:spTree>
+    <p:extLst>
+      <p:ext uri="{BB962C8B-B14F-4D97-AF65-F5344CB8AC3E}">
+        <p14:creationId xmlns:p14="http://schemas.microsoft.com/office/powerpoint/2010/main" val="1549222261"/>
       </p:ext>
     </p:extLst>
   </p:cSld>
